--- a/Tete R Assignon_Project 1.pptx
+++ b/Tete R Assignon_Project 1.pptx
@@ -31,10 +31,6 @@
     <p:embeddedFont>
       <p:font typeface="Arial" charset="1" panose="020B0502020202020204"/>
       <p:regular r:id="rId19"/>
-    </p:embeddedFont>
-    <p:embeddedFont>
-      <p:font typeface="Arial Italics" charset="1" panose="020B0502020202090204"/>
-      <p:regular r:id="rId20"/>
     </p:embeddedFont>
   </p:embeddedFontLst>
   <p:defaultTextStyle>
@@ -3157,7 +3153,7 @@
                 <a:cs typeface="Arial Bold"/>
                 <a:sym typeface="Arial Bold"/>
               </a:rPr>
-              <a:t> COUNTRY OF THE WORLD</a:t>
+              <a:t> COUNTRIES OF THE WORLD</a:t>
             </a:r>
           </a:p>
         </p:txBody>
@@ -3170,8 +3166,8 @@
         </p:nvSpPr>
         <p:spPr>
           <a:xfrm rot="0">
-            <a:off x="850974" y="1067683"/>
-            <a:ext cx="16408332" cy="3348816"/>
+            <a:off x="850974" y="2153533"/>
+            <a:ext cx="16408332" cy="2262966"/>
           </a:xfrm>
           <a:prstGeom prst="rect">
             <a:avLst/>
@@ -3198,7 +3194,7 @@
                 <a:cs typeface="Playfair Display"/>
                 <a:sym typeface="Playfair Display"/>
               </a:rPr>
-              <a:t>Exploratory Data Analysis (EDA) Report on Country Statistics Dataset</a:t>
+              <a:t>Report on Country Statistics Dataset</a:t>
             </a:r>
           </a:p>
         </p:txBody>
@@ -3352,8 +3348,8 @@
         </p:nvSpPr>
         <p:spPr>
           <a:xfrm rot="0">
-            <a:off x="717376" y="2015432"/>
-            <a:ext cx="16563742" cy="7663164"/>
+            <a:off x="695558" y="2568170"/>
+            <a:ext cx="16563742" cy="6292574"/>
           </a:xfrm>
           <a:prstGeom prst="rect">
             <a:avLst/>
@@ -3426,25 +3422,11 @@
             </a:r>
           </a:p>
           <a:p>
-            <a:pPr algn="l" marL="832848" indent="-416424" lvl="1">
+            <a:pPr algn="l">
               <a:lnSpc>
                 <a:spcPts val="5400"/>
               </a:lnSpc>
-              <a:buFont typeface="Arial"/>
-              <a:buChar char="•"/>
             </a:pPr>
-            <a:r>
-              <a:rPr lang="en-US" sz="3857">
-                <a:solidFill>
-                  <a:srgbClr val="2B2C30"/>
-                </a:solidFill>
-                <a:latin typeface="Arial"/>
-                <a:ea typeface="Arial"/>
-                <a:cs typeface="Arial"/>
-                <a:sym typeface="Arial"/>
-              </a:rPr>
-              <a:t>Migration Patterns: Migration rates vary, with most countries balanced but a few experiencing significant in-or-out migration, potentially affecting their economic and social structures.</a:t>
-            </a:r>
           </a:p>
           <a:p>
             <a:pPr algn="l">
@@ -3810,7 +3792,7 @@
 </file>
 
 <file path=ppt/slides/slide3.xml><?xml version="1.0" encoding="utf-8"?>
-<p:sld xmlns:p="http://schemas.openxmlformats.org/presentationml/2006/main" xmlns:a="http://schemas.openxmlformats.org/drawingml/2006/main">
+<p:sld xmlns:p="http://schemas.openxmlformats.org/presentationml/2006/main" xmlns:a="http://schemas.openxmlformats.org/drawingml/2006/main" xmlns:r="http://schemas.openxmlformats.org/officeDocument/2006/relationships">
   <p:cSld>
     <p:bg>
       <p:bgPr>
@@ -3835,182 +3817,49 @@
       </p:grpSpPr>
       <p:sp>
         <p:nvSpPr>
-          <p:cNvPr name="TextBox 2" id="2"/>
-          <p:cNvSpPr txBox="true"/>
-          <p:nvPr/>
-        </p:nvSpPr>
-        <p:spPr>
-          <a:xfrm rot="0">
-            <a:off x="1006871" y="496754"/>
-            <a:ext cx="16230600" cy="882917"/>
-          </a:xfrm>
-          <a:prstGeom prst="rect">
-            <a:avLst/>
-          </a:prstGeom>
-        </p:spPr>
-        <p:txBody>
-          <a:bodyPr anchor="t" rtlCol="false" tIns="0" lIns="0" bIns="0" rIns="0">
-            <a:spAutoFit/>
-          </a:bodyPr>
-          <a:lstStyle/>
-          <a:p>
-            <a:pPr algn="l">
-              <a:lnSpc>
-                <a:spcPts val="6460"/>
-              </a:lnSpc>
-              <a:spcBef>
-                <a:spcPct val="0"/>
-              </a:spcBef>
-            </a:pPr>
-            <a:r>
-              <a:rPr lang="en-US" b="true" sz="4614" spc="1047">
-                <a:solidFill>
-                  <a:srgbClr val="2B2C30"/>
-                </a:solidFill>
-                <a:latin typeface="Arial Bold"/>
-                <a:ea typeface="Arial Bold"/>
-                <a:cs typeface="Arial Bold"/>
-                <a:sym typeface="Arial Bold"/>
-              </a:rPr>
-              <a:t>EDA PROCESS AND KEY OBSERVATIONS</a:t>
-            </a:r>
-          </a:p>
-        </p:txBody>
-      </p:sp>
-      <p:sp>
-        <p:nvSpPr>
-          <p:cNvPr name="AutoShape 3" id="3"/>
+          <p:cNvPr name="Freeform 2" id="2"/>
           <p:cNvSpPr/>
           <p:nvPr/>
         </p:nvSpPr>
         <p:spPr>
-          <a:xfrm flipV="true">
-            <a:off x="1028695" y="1760761"/>
-            <a:ext cx="16230594" cy="38509"/>
-          </a:xfrm>
-          <a:prstGeom prst="line">
+          <a:xfrm flipH="false" flipV="false" rot="0">
+            <a:off x="3276193" y="1028700"/>
+            <a:ext cx="12195507" cy="8552099"/>
+          </a:xfrm>
+          <a:custGeom>
             <a:avLst/>
-          </a:prstGeom>
-          <a:ln cap="flat" w="9525">
-            <a:solidFill>
-              <a:srgbClr val="2B2C30"/>
-            </a:solidFill>
-            <a:prstDash val="solid"/>
-            <a:headEnd type="none" len="sm" w="sm"/>
-            <a:tailEnd type="none" len="sm" w="sm"/>
-          </a:ln>
-        </p:spPr>
-      </p:sp>
-      <p:sp>
-        <p:nvSpPr>
-          <p:cNvPr name="TextBox 4" id="4"/>
-          <p:cNvSpPr txBox="true"/>
-          <p:nvPr/>
-        </p:nvSpPr>
-        <p:spPr>
-          <a:xfrm rot="0">
-            <a:off x="1006871" y="1920067"/>
-            <a:ext cx="16208782" cy="7712041"/>
-          </a:xfrm>
-          <a:prstGeom prst="rect">
-            <a:avLst/>
-          </a:prstGeom>
-        </p:spPr>
-        <p:txBody>
-          <a:bodyPr anchor="t" rtlCol="false" tIns="0" lIns="0" bIns="0" rIns="0">
-            <a:spAutoFit/>
-          </a:bodyPr>
-          <a:lstStyle/>
-          <a:p>
-            <a:pPr algn="l">
-              <a:lnSpc>
-                <a:spcPts val="6769"/>
-              </a:lnSpc>
-            </a:pPr>
-            <a:r>
-              <a:rPr lang="en-US" sz="3619">
-                <a:solidFill>
-                  <a:srgbClr val="2B2C30"/>
-                </a:solidFill>
-                <a:latin typeface="Arial"/>
-                <a:ea typeface="Arial"/>
-                <a:cs typeface="Arial"/>
-                <a:sym typeface="Arial"/>
-              </a:rPr>
-              <a:t>Data Structure and Cleaning:</a:t>
-            </a:r>
-          </a:p>
-          <a:p>
-            <a:pPr algn="l" marL="781515" indent="-390757" lvl="1">
-              <a:lnSpc>
-                <a:spcPts val="6769"/>
-              </a:lnSpc>
-              <a:buFont typeface="Arial"/>
-              <a:buChar char="•"/>
-            </a:pPr>
-            <a:r>
-              <a:rPr lang="en-US" sz="3619">
-                <a:solidFill>
-                  <a:srgbClr val="2B2C30"/>
-                </a:solidFill>
-                <a:latin typeface="Arial"/>
-                <a:ea typeface="Arial"/>
-                <a:cs typeface="Arial"/>
-                <a:sym typeface="Arial"/>
-              </a:rPr>
-              <a:t>The dataset consists of 227 countries with 20 columns, including fields like Population, Area, Literacy (%), GDP ($ per capita), and Net migration.</a:t>
-            </a:r>
-          </a:p>
-          <a:p>
-            <a:pPr algn="l" marL="781515" indent="-390757" lvl="1">
-              <a:lnSpc>
-                <a:spcPts val="6769"/>
-              </a:lnSpc>
-              <a:buFont typeface="Arial"/>
-              <a:buChar char="•"/>
-            </a:pPr>
-            <a:r>
-              <a:rPr lang="en-US" sz="3619">
-                <a:solidFill>
-                  <a:srgbClr val="2B2C30"/>
-                </a:solidFill>
-                <a:latin typeface="Arial"/>
-                <a:ea typeface="Arial"/>
-                <a:cs typeface="Arial"/>
-                <a:sym typeface="Arial"/>
-              </a:rPr>
-              <a:t>Several columns contained numeric values stored as strings due to commas, which were cleaned by removing commas and converting the data to numeric format.</a:t>
-            </a:r>
-          </a:p>
-          <a:p>
-            <a:pPr algn="l" marL="781515" indent="-390757" lvl="1">
-              <a:lnSpc>
-                <a:spcPts val="6769"/>
-              </a:lnSpc>
-              <a:buFont typeface="Arial"/>
-              <a:buChar char="•"/>
-            </a:pPr>
-            <a:r>
-              <a:rPr lang="en-US" sz="3619">
-                <a:solidFill>
-                  <a:srgbClr val="2B2C30"/>
-                </a:solidFill>
-                <a:latin typeface="Arial"/>
-                <a:ea typeface="Arial"/>
-                <a:cs typeface="Arial"/>
-                <a:sym typeface="Arial"/>
-              </a:rPr>
-              <a:t>Missing values were detected in columns such as Literacy (%), Climate, and economic sector indicators (Agriculture, Industry, Service).</a:t>
-            </a:r>
-          </a:p>
-          <a:p>
-            <a:pPr algn="l">
-              <a:lnSpc>
-                <a:spcPts val="6769"/>
-              </a:lnSpc>
-            </a:pPr>
-          </a:p>
-        </p:txBody>
+            <a:gdLst/>
+            <a:ahLst/>
+            <a:cxnLst/>
+            <a:rect r="r" b="b" t="t" l="l"/>
+            <a:pathLst>
+              <a:path h="8552099" w="12195507">
+                <a:moveTo>
+                  <a:pt x="0" y="0"/>
+                </a:moveTo>
+                <a:lnTo>
+                  <a:pt x="12195506" y="0"/>
+                </a:lnTo>
+                <a:lnTo>
+                  <a:pt x="12195506" y="8552099"/>
+                </a:lnTo>
+                <a:lnTo>
+                  <a:pt x="0" y="8552099"/>
+                </a:lnTo>
+                <a:lnTo>
+                  <a:pt x="0" y="0"/>
+                </a:lnTo>
+                <a:close/>
+              </a:path>
+            </a:pathLst>
+          </a:custGeom>
+          <a:blipFill>
+            <a:blip r:embed="rId2"/>
+            <a:stretch>
+              <a:fillRect l="0" t="0" r="0" b="0"/>
+            </a:stretch>
+          </a:blipFill>
+        </p:spPr>
       </p:sp>
     </p:spTree>
   </p:cSld>
@@ -4052,7 +3901,7 @@
         </p:nvSpPr>
         <p:spPr>
           <a:xfrm rot="0">
-            <a:off x="1028689" y="847725"/>
+            <a:off x="1006871" y="496754"/>
             <a:ext cx="16230600" cy="882917"/>
           </a:xfrm>
           <a:prstGeom prst="rect">
@@ -4120,8 +3969,8 @@
         </p:nvSpPr>
         <p:spPr>
           <a:xfrm rot="0">
-            <a:off x="745770" y="2169915"/>
-            <a:ext cx="14737784" cy="4598827"/>
+            <a:off x="1006871" y="1920067"/>
+            <a:ext cx="16208782" cy="7712041"/>
           </a:xfrm>
           <a:prstGeom prst="rect">
             <a:avLst/>
@@ -4135,11 +3984,222 @@
           <a:p>
             <a:pPr algn="l">
               <a:lnSpc>
-                <a:spcPts val="4568"/>
+                <a:spcPts val="6769"/>
               </a:lnSpc>
             </a:pPr>
             <a:r>
-              <a:rPr lang="en-US" sz="3045">
+              <a:rPr lang="en-US" sz="3619">
+                <a:solidFill>
+                  <a:srgbClr val="2B2C30"/>
+                </a:solidFill>
+                <a:latin typeface="Arial"/>
+                <a:ea typeface="Arial"/>
+                <a:cs typeface="Arial"/>
+                <a:sym typeface="Arial"/>
+              </a:rPr>
+              <a:t>Data Structure and Cleaning:</a:t>
+            </a:r>
+          </a:p>
+          <a:p>
+            <a:pPr algn="l" marL="781515" indent="-390757" lvl="1">
+              <a:lnSpc>
+                <a:spcPts val="6769"/>
+              </a:lnSpc>
+              <a:buFont typeface="Arial"/>
+              <a:buChar char="•"/>
+            </a:pPr>
+            <a:r>
+              <a:rPr lang="en-US" sz="3619">
+                <a:solidFill>
+                  <a:srgbClr val="2B2C30"/>
+                </a:solidFill>
+                <a:latin typeface="Arial"/>
+                <a:ea typeface="Arial"/>
+                <a:cs typeface="Arial"/>
+                <a:sym typeface="Arial"/>
+              </a:rPr>
+              <a:t>The dataset consists of 227 countries with 20 columns, including fields like Population, Area, Literacy (%), GDP ($ per capita), and Net migration.</a:t>
+            </a:r>
+          </a:p>
+          <a:p>
+            <a:pPr algn="l" marL="781515" indent="-390757" lvl="1">
+              <a:lnSpc>
+                <a:spcPts val="6769"/>
+              </a:lnSpc>
+              <a:buFont typeface="Arial"/>
+              <a:buChar char="•"/>
+            </a:pPr>
+            <a:r>
+              <a:rPr lang="en-US" sz="3619">
+                <a:solidFill>
+                  <a:srgbClr val="2B2C30"/>
+                </a:solidFill>
+                <a:latin typeface="Arial"/>
+                <a:ea typeface="Arial"/>
+                <a:cs typeface="Arial"/>
+                <a:sym typeface="Arial"/>
+              </a:rPr>
+              <a:t>Several columns contained numeric values stored as strings due to commas, which were cleaned by removing commas and converting the data to numeric format.</a:t>
+            </a:r>
+          </a:p>
+          <a:p>
+            <a:pPr algn="l" marL="781515" indent="-390757" lvl="1">
+              <a:lnSpc>
+                <a:spcPts val="6769"/>
+              </a:lnSpc>
+              <a:buFont typeface="Arial"/>
+              <a:buChar char="•"/>
+            </a:pPr>
+            <a:r>
+              <a:rPr lang="en-US" sz="3619">
+                <a:solidFill>
+                  <a:srgbClr val="2B2C30"/>
+                </a:solidFill>
+                <a:latin typeface="Arial"/>
+                <a:ea typeface="Arial"/>
+                <a:cs typeface="Arial"/>
+                <a:sym typeface="Arial"/>
+              </a:rPr>
+              <a:t>Missing values were detected in columns such as Literacy (%), Climate, and economic sector indicators (Agriculture, Industry, Service).</a:t>
+            </a:r>
+          </a:p>
+          <a:p>
+            <a:pPr algn="l">
+              <a:lnSpc>
+                <a:spcPts val="6769"/>
+              </a:lnSpc>
+            </a:pPr>
+          </a:p>
+        </p:txBody>
+      </p:sp>
+    </p:spTree>
+  </p:cSld>
+  <p:clrMapOvr>
+    <a:masterClrMapping/>
+  </p:clrMapOvr>
+</p:sld>
+</file>
+
+<file path=ppt/slides/slide5.xml><?xml version="1.0" encoding="utf-8"?>
+<p:sld xmlns:p="http://schemas.openxmlformats.org/presentationml/2006/main" xmlns:a="http://schemas.openxmlformats.org/drawingml/2006/main">
+  <p:cSld>
+    <p:bg>
+      <p:bgPr>
+        <a:solidFill>
+          <a:srgbClr val="EFEEE7"/>
+        </a:solidFill>
+      </p:bgPr>
+    </p:bg>
+    <p:spTree>
+      <p:nvGrpSpPr>
+        <p:cNvPr id="1" name=""/>
+        <p:cNvGrpSpPr/>
+        <p:nvPr/>
+      </p:nvGrpSpPr>
+      <p:grpSpPr>
+        <a:xfrm>
+          <a:off x="0" y="0"/>
+          <a:ext cx="0" cy="0"/>
+          <a:chOff x="0" y="0"/>
+          <a:chExt cx="0" cy="0"/>
+        </a:xfrm>
+      </p:grpSpPr>
+      <p:sp>
+        <p:nvSpPr>
+          <p:cNvPr name="TextBox 2" id="2"/>
+          <p:cNvSpPr txBox="true"/>
+          <p:nvPr/>
+        </p:nvSpPr>
+        <p:spPr>
+          <a:xfrm rot="0">
+            <a:off x="1028689" y="847725"/>
+            <a:ext cx="16230600" cy="882917"/>
+          </a:xfrm>
+          <a:prstGeom prst="rect">
+            <a:avLst/>
+          </a:prstGeom>
+        </p:spPr>
+        <p:txBody>
+          <a:bodyPr anchor="t" rtlCol="false" tIns="0" lIns="0" bIns="0" rIns="0">
+            <a:spAutoFit/>
+          </a:bodyPr>
+          <a:lstStyle/>
+          <a:p>
+            <a:pPr algn="l">
+              <a:lnSpc>
+                <a:spcPts val="6460"/>
+              </a:lnSpc>
+              <a:spcBef>
+                <a:spcPct val="0"/>
+              </a:spcBef>
+            </a:pPr>
+            <a:r>
+              <a:rPr lang="en-US" b="true" sz="4614" spc="1047">
+                <a:solidFill>
+                  <a:srgbClr val="2B2C30"/>
+                </a:solidFill>
+                <a:latin typeface="Arial Bold"/>
+                <a:ea typeface="Arial Bold"/>
+                <a:cs typeface="Arial Bold"/>
+                <a:sym typeface="Arial Bold"/>
+              </a:rPr>
+              <a:t>EDA PROCESS AND KEY OBSERVATIONS</a:t>
+            </a:r>
+          </a:p>
+        </p:txBody>
+      </p:sp>
+      <p:sp>
+        <p:nvSpPr>
+          <p:cNvPr name="AutoShape 3" id="3"/>
+          <p:cNvSpPr/>
+          <p:nvPr/>
+        </p:nvSpPr>
+        <p:spPr>
+          <a:xfrm flipV="true">
+            <a:off x="1028695" y="1760761"/>
+            <a:ext cx="16230594" cy="38509"/>
+          </a:xfrm>
+          <a:prstGeom prst="line">
+            <a:avLst/>
+          </a:prstGeom>
+          <a:ln cap="flat" w="9525">
+            <a:solidFill>
+              <a:srgbClr val="2B2C30"/>
+            </a:solidFill>
+            <a:prstDash val="solid"/>
+            <a:headEnd type="none" len="sm" w="sm"/>
+            <a:tailEnd type="none" len="sm" w="sm"/>
+          </a:ln>
+        </p:spPr>
+      </p:sp>
+      <p:sp>
+        <p:nvSpPr>
+          <p:cNvPr name="TextBox 4" id="4"/>
+          <p:cNvSpPr txBox="true"/>
+          <p:nvPr/>
+        </p:nvSpPr>
+        <p:spPr>
+          <a:xfrm rot="0">
+            <a:off x="1028700" y="2605261"/>
+            <a:ext cx="15576920" cy="4267549"/>
+          </a:xfrm>
+          <a:prstGeom prst="rect">
+            <a:avLst/>
+          </a:prstGeom>
+        </p:spPr>
+        <p:txBody>
+          <a:bodyPr anchor="t" rtlCol="false" tIns="0" lIns="0" bIns="0" rIns="0">
+            <a:spAutoFit/>
+          </a:bodyPr>
+          <a:lstStyle/>
+          <a:p>
+            <a:pPr algn="l">
+              <a:lnSpc>
+                <a:spcPts val="4828"/>
+              </a:lnSpc>
+            </a:pPr>
+            <a:r>
+              <a:rPr lang="en-US" sz="3219">
                 <a:solidFill>
                   <a:srgbClr val="2B2C30"/>
                 </a:solidFill>
@@ -4152,15 +4212,15 @@
             </a:r>
           </a:p>
           <a:p>
-            <a:pPr algn="l" marL="657605" indent="-328802" lvl="1">
+            <a:pPr algn="l" marL="695047" indent="-347524" lvl="1">
               <a:lnSpc>
-                <a:spcPts val="4568"/>
+                <a:spcPts val="4828"/>
               </a:lnSpc>
               <a:buFont typeface="Arial"/>
               <a:buChar char="•"/>
             </a:pPr>
             <a:r>
-              <a:rPr lang="en-US" sz="3045">
+              <a:rPr lang="en-US" sz="3219">
                 <a:solidFill>
                   <a:srgbClr val="2B2C30"/>
                 </a:solidFill>
@@ -4173,15 +4233,15 @@
             </a:r>
           </a:p>
           <a:p>
-            <a:pPr algn="l" marL="657605" indent="-328802" lvl="1">
+            <a:pPr algn="l" marL="695047" indent="-347524" lvl="1">
               <a:lnSpc>
-                <a:spcPts val="4568"/>
+                <a:spcPts val="4828"/>
               </a:lnSpc>
               <a:buFont typeface="Arial"/>
               <a:buChar char="•"/>
             </a:pPr>
             <a:r>
-              <a:rPr lang="en-US" sz="3045">
+              <a:rPr lang="en-US" sz="3219">
                 <a:solidFill>
                   <a:srgbClr val="2B2C30"/>
                 </a:solidFill>
@@ -4190,20 +4250,20 @@
                 <a:cs typeface="Arial"/>
                 <a:sym typeface="Arial"/>
               </a:rPr>
-              <a:t>These statistics revealed significant variations in GDP per capita, literacy rates, and net migration rates, indicating diverse socio-economic conditions across countries.</a:t>
+              <a:t>These statistics revealed significant variations in GDP per capita, literacy rates, indicating diverse socio-economic conditions across countries.</a:t>
             </a:r>
           </a:p>
           <a:p>
             <a:pPr algn="l">
               <a:lnSpc>
-                <a:spcPts val="4568"/>
+                <a:spcPts val="4828"/>
               </a:lnSpc>
             </a:pPr>
           </a:p>
           <a:p>
             <a:pPr algn="l">
               <a:lnSpc>
-                <a:spcPts val="4568"/>
+                <a:spcPts val="4828"/>
               </a:lnSpc>
             </a:pPr>
           </a:p>
@@ -4217,7 +4277,7 @@
 </p:sld>
 </file>
 
-<file path=ppt/slides/slide5.xml><?xml version="1.0" encoding="utf-8"?>
+<file path=ppt/slides/slide6.xml><?xml version="1.0" encoding="utf-8"?>
 <p:sld xmlns:p="http://schemas.openxmlformats.org/presentationml/2006/main" xmlns:a="http://schemas.openxmlformats.org/drawingml/2006/main" xmlns:r="http://schemas.openxmlformats.org/officeDocument/2006/relationships">
   <p:cSld>
     <p:bg>
@@ -4411,206 +4471,6 @@
 </p:sld>
 </file>
 
-<file path=ppt/slides/slide6.xml><?xml version="1.0" encoding="utf-8"?>
-<p:sld xmlns:p="http://schemas.openxmlformats.org/presentationml/2006/main" xmlns:a="http://schemas.openxmlformats.org/drawingml/2006/main" xmlns:r="http://schemas.openxmlformats.org/officeDocument/2006/relationships">
-  <p:cSld>
-    <p:bg>
-      <p:bgPr>
-        <a:solidFill>
-          <a:srgbClr val="EFEEE7"/>
-        </a:solidFill>
-      </p:bgPr>
-    </p:bg>
-    <p:spTree>
-      <p:nvGrpSpPr>
-        <p:cNvPr id="1" name=""/>
-        <p:cNvGrpSpPr/>
-        <p:nvPr/>
-      </p:nvGrpSpPr>
-      <p:grpSpPr>
-        <a:xfrm>
-          <a:off x="0" y="0"/>
-          <a:ext cx="0" cy="0"/>
-          <a:chOff x="0" y="0"/>
-          <a:chExt cx="0" cy="0"/>
-        </a:xfrm>
-      </p:grpSpPr>
-      <p:sp>
-        <p:nvSpPr>
-          <p:cNvPr name="AutoShape 2" id="2"/>
-          <p:cNvSpPr/>
-          <p:nvPr/>
-        </p:nvSpPr>
-        <p:spPr>
-          <a:xfrm flipV="true">
-            <a:off x="1028695" y="1760761"/>
-            <a:ext cx="16230594" cy="38509"/>
-          </a:xfrm>
-          <a:prstGeom prst="line">
-            <a:avLst/>
-          </a:prstGeom>
-          <a:ln cap="flat" w="9525">
-            <a:solidFill>
-              <a:srgbClr val="2B2C30"/>
-            </a:solidFill>
-            <a:prstDash val="solid"/>
-            <a:headEnd type="none" len="sm" w="sm"/>
-            <a:tailEnd type="none" len="sm" w="sm"/>
-          </a:ln>
-        </p:spPr>
-      </p:sp>
-      <p:sp>
-        <p:nvSpPr>
-          <p:cNvPr name="Freeform 3" id="3"/>
-          <p:cNvSpPr/>
-          <p:nvPr/>
-        </p:nvSpPr>
-        <p:spPr>
-          <a:xfrm flipH="false" flipV="false" rot="0">
-            <a:off x="2432005" y="2095428"/>
-            <a:ext cx="9579550" cy="5938234"/>
-          </a:xfrm>
-          <a:custGeom>
-            <a:avLst/>
-            <a:gdLst/>
-            <a:ahLst/>
-            <a:cxnLst/>
-            <a:rect r="r" b="b" t="t" l="l"/>
-            <a:pathLst>
-              <a:path h="5938234" w="9579550">
-                <a:moveTo>
-                  <a:pt x="0" y="0"/>
-                </a:moveTo>
-                <a:lnTo>
-                  <a:pt x="9579550" y="0"/>
-                </a:lnTo>
-                <a:lnTo>
-                  <a:pt x="9579550" y="5938234"/>
-                </a:lnTo>
-                <a:lnTo>
-                  <a:pt x="0" y="5938234"/>
-                </a:lnTo>
-                <a:lnTo>
-                  <a:pt x="0" y="0"/>
-                </a:lnTo>
-                <a:close/>
-              </a:path>
-            </a:pathLst>
-          </a:custGeom>
-          <a:blipFill>
-            <a:blip r:embed="rId2"/>
-            <a:stretch>
-              <a:fillRect l="0" t="-2126" r="0" b="-2126"/>
-            </a:stretch>
-          </a:blipFill>
-        </p:spPr>
-      </p:sp>
-      <p:sp>
-        <p:nvSpPr>
-          <p:cNvPr name="TextBox 4" id="4"/>
-          <p:cNvSpPr txBox="true"/>
-          <p:nvPr/>
-        </p:nvSpPr>
-        <p:spPr>
-          <a:xfrm rot="0">
-            <a:off x="234462" y="8378626"/>
-            <a:ext cx="16822615" cy="1664098"/>
-          </a:xfrm>
-          <a:prstGeom prst="rect">
-            <a:avLst/>
-          </a:prstGeom>
-        </p:spPr>
-        <p:txBody>
-          <a:bodyPr anchor="t" rtlCol="false" tIns="0" lIns="0" bIns="0" rIns="0">
-            <a:spAutoFit/>
-          </a:bodyPr>
-          <a:lstStyle/>
-          <a:p>
-            <a:pPr algn="l">
-              <a:lnSpc>
-                <a:spcPts val="3226"/>
-              </a:lnSpc>
-              <a:spcBef>
-                <a:spcPct val="0"/>
-              </a:spcBef>
-            </a:pPr>
-            <a:r>
-              <a:rPr lang="en-US" sz="2304" spc="156">
-                <a:solidFill>
-                  <a:srgbClr val="000000"/>
-                </a:solidFill>
-                <a:latin typeface="Arial"/>
-                <a:ea typeface="Arial"/>
-                <a:cs typeface="Arial"/>
-                <a:sym typeface="Arial"/>
-              </a:rPr>
-              <a:t> Most countries have net migration rates near zero, suggesting balanced migration. However, some countries experience either high positive or negative migration, reflecting varying migration patterns that could be linked to socio-economic stability, employment opportunities, or quality of life.</a:t>
-            </a:r>
-          </a:p>
-          <a:p>
-            <a:pPr algn="l">
-              <a:lnSpc>
-                <a:spcPts val="3226"/>
-              </a:lnSpc>
-              <a:spcBef>
-                <a:spcPct val="0"/>
-              </a:spcBef>
-            </a:pPr>
-          </a:p>
-        </p:txBody>
-      </p:sp>
-      <p:sp>
-        <p:nvSpPr>
-          <p:cNvPr name="TextBox 5" id="5"/>
-          <p:cNvSpPr txBox="true"/>
-          <p:nvPr/>
-        </p:nvSpPr>
-        <p:spPr>
-          <a:xfrm rot="0">
-            <a:off x="0" y="838200"/>
-            <a:ext cx="17910206" cy="908952"/>
-          </a:xfrm>
-          <a:prstGeom prst="rect">
-            <a:avLst/>
-          </a:prstGeom>
-        </p:spPr>
-        <p:txBody>
-          <a:bodyPr anchor="t" rtlCol="false" tIns="0" lIns="0" bIns="0" rIns="0">
-            <a:spAutoFit/>
-          </a:bodyPr>
-          <a:lstStyle/>
-          <a:p>
-            <a:pPr algn="ctr">
-              <a:lnSpc>
-                <a:spcPts val="6600"/>
-              </a:lnSpc>
-              <a:spcBef>
-                <a:spcPct val="0"/>
-              </a:spcBef>
-            </a:pPr>
-            <a:r>
-              <a:rPr lang="en-US" b="true" sz="4714" spc="1070">
-                <a:solidFill>
-                  <a:srgbClr val="000000"/>
-                </a:solidFill>
-                <a:latin typeface="Arial Bold"/>
-                <a:ea typeface="Arial Bold"/>
-                <a:cs typeface="Arial Bold"/>
-                <a:sym typeface="Arial Bold"/>
-              </a:rPr>
-              <a:t>DISTRIBUTION OF NET MIGRATION RATES</a:t>
-            </a:r>
-          </a:p>
-        </p:txBody>
-      </p:sp>
-    </p:spTree>
-  </p:cSld>
-  <p:clrMapOvr>
-    <a:masterClrMapping/>
-  </p:clrMapOvr>
-</p:sld>
-</file>
-
 <file path=ppt/slides/slide7.xml><?xml version="1.0" encoding="utf-8"?>
 <p:sld xmlns:p="http://schemas.openxmlformats.org/presentationml/2006/main" xmlns:a="http://schemas.openxmlformats.org/drawingml/2006/main" xmlns:r="http://schemas.openxmlformats.org/officeDocument/2006/relationships">
   <p:cSld>
@@ -5047,8 +4907,8 @@
         </p:nvSpPr>
         <p:spPr>
           <a:xfrm flipH="false" flipV="false" rot="0">
-            <a:off x="1231745" y="1965957"/>
-            <a:ext cx="9200973" cy="5750608"/>
+            <a:off x="1511004" y="1959075"/>
+            <a:ext cx="9113632" cy="5764372"/>
           </a:xfrm>
           <a:custGeom>
             <a:avLst/>
@@ -5057,18 +4917,18 @@
             <a:cxnLst/>
             <a:rect r="r" b="b" t="t" l="l"/>
             <a:pathLst>
-              <a:path h="5750608" w="9200973">
+              <a:path h="5764372" w="9113632">
                 <a:moveTo>
                   <a:pt x="0" y="0"/>
                 </a:moveTo>
                 <a:lnTo>
-                  <a:pt x="9200972" y="0"/>
+                  <a:pt x="9113632" y="0"/>
                 </a:lnTo>
                 <a:lnTo>
-                  <a:pt x="9200972" y="5750608"/>
+                  <a:pt x="9113632" y="5764372"/>
                 </a:lnTo>
                 <a:lnTo>
-                  <a:pt x="0" y="5750608"/>
+                  <a:pt x="0" y="5764372"/>
                 </a:lnTo>
                 <a:lnTo>
                   <a:pt x="0" y="0"/>
@@ -5159,14 +5019,14 @@
               </a:spcBef>
             </a:pPr>
             <a:r>
-              <a:rPr lang="en-US" sz="3009" i="true" spc="15">
+              <a:rPr lang="en-US" sz="3009" spc="15">
                 <a:solidFill>
                   <a:srgbClr val="2B2C30"/>
                 </a:solidFill>
-                <a:latin typeface="Arial Italics"/>
-                <a:ea typeface="Arial Italics"/>
-                <a:cs typeface="Arial Italics"/>
-                <a:sym typeface="Arial Italics"/>
+                <a:latin typeface="Arial"/>
+                <a:ea typeface="Arial"/>
+                <a:cs typeface="Arial"/>
+                <a:sym typeface="Arial"/>
               </a:rPr>
               <a:t> A positive correlation between literacy rate and GDP per capita is evident, suggesting that higher literacy rates tend to correspond with higher GDP per capita. This correlation implies that literacy could be a critical factor in driving economic prosperity, as educated populations are better equipped to contribute to the economy</a:t>
             </a:r>
